--- a/gTAA_AI_Validator_TFM_Jose_Antonio_Membrive_Guillen.pptx
+++ b/gTAA_AI_Validator_TFM_Jose_Antonio_Membrive_Guillen.pptx
@@ -2391,7 +2391,7 @@
                 <a:ea typeface="Calibri" panose="020F0502020204030204" pitchFamily="34" charset="-122"/>
                 <a:cs typeface="Calibri" panose="020F0502020204030204" pitchFamily="34" charset="-120"/>
               </a:rPr>
-              <a:t>1</a:t>
+              <a:t>17</a:t>
             </a:r>
             <a:r>
               <a:rPr lang="en-US" sz="1200" dirty="0">
@@ -2402,7 +2402,7 @@
                 <a:ea typeface="Calibri" panose="020F0502020204030204" pitchFamily="34" charset="-122"/>
                 <a:cs typeface="Calibri" panose="020F0502020204030204" pitchFamily="34" charset="-120"/>
               </a:rPr>
-              <a:t>5 commits  |  60 ADRs documentados</a:t>
+              <a:t> commits  |  60 ADRs documentados</a:t>
             </a:r>
             <a:endParaRPr lang="en-US" sz="1200" dirty="0"/>
           </a:p>
